--- a/mysite4_guestbook_sequencediagram.pptx
+++ b/mysite4_guestbook_sequencediagram.pptx
@@ -104,6 +104,11 @@
       </a:defRPr>
     </a:lvl9pPr>
   </p:defaultTextStyle>
+  <p:extLst>
+    <p:ext uri="{EFAFB233-063F-42B5-8137-9DF3F51BA10A}">
+      <p15:sldGuideLst xmlns:p15="http://schemas.microsoft.com/office/powerpoint/2012/main"/>
+    </p:ext>
+  </p:extLst>
 </p:presentation>
 </file>
 
@@ -3336,7 +3341,7 @@
           <p:nvPr>
             <p:extLst>
               <p:ext uri="{D42A27DB-BD31-4B8C-83A1-F6EECF244321}">
-                <p14:modId xmlns:p14="http://schemas.microsoft.com/office/powerpoint/2010/main" val="1480423261"/>
+                <p14:modId xmlns:p14="http://schemas.microsoft.com/office/powerpoint/2010/main" val="1101664359"/>
               </p:ext>
             </p:extLst>
           </p:nvPr>
@@ -3764,22 +3769,6 @@
                     </a:p>
                     <a:p>
                       <a:pPr algn="l" latinLnBrk="1"/>
-                      <a:r>
-                        <a:rPr lang="en-US" altLang="ko-KR" sz="1000" dirty="0">
-                          <a:solidFill>
-                            <a:schemeClr val="tx1"/>
-                          </a:solidFill>
-                        </a:rPr>
-                        <a:t>/mysite4/guestbook/</a:t>
-                      </a:r>
-                      <a:r>
-                        <a:rPr lang="en-US" altLang="ko-KR" sz="1000" dirty="0" err="1">
-                          <a:solidFill>
-                            <a:schemeClr val="tx1"/>
-                          </a:solidFill>
-                        </a:rPr>
-                        <a:t>addList</a:t>
-                      </a:r>
                       <a:endParaRPr lang="en-US" altLang="ko-KR" sz="1000" dirty="0">
                         <a:solidFill>
                           <a:schemeClr val="tx1"/>
@@ -3983,22 +3972,6 @@
                     </a:p>
                     <a:p>
                       <a:pPr algn="l" latinLnBrk="1"/>
-                      <a:r>
-                        <a:rPr lang="en-US" altLang="ko-KR" sz="1000" dirty="0">
-                          <a:solidFill>
-                            <a:schemeClr val="tx1"/>
-                          </a:solidFill>
-                        </a:rPr>
-                        <a:t>/mysite4/guestbook/</a:t>
-                      </a:r>
-                      <a:r>
-                        <a:rPr lang="en-US" altLang="ko-KR" sz="1000">
-                          <a:solidFill>
-                            <a:schemeClr val="tx1"/>
-                          </a:solidFill>
-                        </a:rPr>
-                        <a:t>addList</a:t>
-                      </a:r>
                       <a:endParaRPr lang="en-US" altLang="ko-KR" sz="1000" dirty="0">
                         <a:solidFill>
                           <a:schemeClr val="tx1"/>
@@ -6028,8 +6001,8 @@
         </p:nvSpPr>
         <p:spPr>
           <a:xfrm>
-            <a:off x="2572027" y="1910838"/>
-            <a:ext cx="1309654" cy="461665"/>
+            <a:off x="328208" y="2862986"/>
+            <a:ext cx="1635063" cy="153888"/>
           </a:xfrm>
           <a:prstGeom prst="rect">
             <a:avLst/>
@@ -6045,12 +6018,36 @@
           <a:lstStyle/>
           <a:p>
             <a:r>
+              <a:rPr lang="ko-KR" altLang="en-US" sz="1000" dirty="0" err="1">
+                <a:solidFill>
+                  <a:schemeClr val="accent1"/>
+                </a:solidFill>
+              </a:rPr>
+              <a:t>등록폼</a:t>
+            </a:r>
+            <a:r>
+              <a:rPr lang="ko-KR" altLang="en-US" sz="1000" dirty="0">
+                <a:solidFill>
+                  <a:schemeClr val="accent1"/>
+                </a:solidFill>
+              </a:rPr>
+              <a:t> </a:t>
+            </a:r>
+            <a:r>
               <a:rPr lang="en-US" altLang="ko-KR" sz="1000" dirty="0">
                 <a:solidFill>
                   <a:schemeClr val="accent1"/>
                 </a:solidFill>
               </a:rPr>
-              <a:t>name = </a:t>
+              <a:t>+ </a:t>
+            </a:r>
+            <a:r>
+              <a:rPr lang="ko-KR" altLang="en-US" sz="1000" dirty="0">
+                <a:solidFill>
+                  <a:schemeClr val="accent1"/>
+                </a:solidFill>
+              </a:rPr>
+              <a:t>리스트 </a:t>
             </a:r>
             <a:r>
               <a:rPr lang="ko-KR" altLang="en-US" sz="1000" dirty="0" err="1">
@@ -6058,48 +6055,7 @@
                   <a:schemeClr val="accent1"/>
                 </a:solidFill>
               </a:rPr>
-              <a:t>나혜주</a:t>
-            </a:r>
-            <a:endParaRPr lang="en-US" altLang="ko-KR" sz="1000" dirty="0">
-              <a:solidFill>
-                <a:schemeClr val="accent1"/>
-              </a:solidFill>
-            </a:endParaRPr>
-          </a:p>
-          <a:p>
-            <a:r>
-              <a:rPr lang="en-US" altLang="ko-KR" sz="1000" dirty="0">
-                <a:solidFill>
-                  <a:schemeClr val="accent1"/>
-                </a:solidFill>
-              </a:rPr>
-              <a:t>password = 1234</a:t>
-            </a:r>
-          </a:p>
-          <a:p>
-            <a:r>
-              <a:rPr lang="en-US" altLang="ko-KR" sz="1000" dirty="0">
-                <a:solidFill>
-                  <a:schemeClr val="accent1"/>
-                </a:solidFill>
-              </a:rPr>
-              <a:t>content = </a:t>
-            </a:r>
-            <a:r>
-              <a:rPr lang="ko-KR" altLang="en-US" sz="1000" dirty="0">
-                <a:solidFill>
-                  <a:schemeClr val="accent1"/>
-                </a:solidFill>
-              </a:rPr>
-              <a:t>안녕하세요</a:t>
-            </a:r>
-            <a:r>
-              <a:rPr lang="en-US" altLang="ko-KR" sz="1000" dirty="0">
-                <a:solidFill>
-                  <a:schemeClr val="accent1"/>
-                </a:solidFill>
-              </a:rPr>
-              <a:t> </a:t>
+              <a:t>리다이렉트</a:t>
             </a:r>
             <a:endParaRPr lang="ko-KR" altLang="en-US" sz="1000" dirty="0">
               <a:solidFill>
@@ -6740,52 +6696,6 @@
           </a:fontRef>
         </p:style>
       </p:cxnSp>
-      <p:sp>
-        <p:nvSpPr>
-          <p:cNvPr id="51" name="TextBox 50">
-            <a:extLst>
-              <a:ext uri="{FF2B5EF4-FFF2-40B4-BE49-F238E27FC236}">
-                <a16:creationId xmlns:a16="http://schemas.microsoft.com/office/drawing/2014/main" id="{58C4F493-B609-40EB-BB9A-F88F5BB3C552}"/>
-              </a:ext>
-            </a:extLst>
-          </p:cNvPr>
-          <p:cNvSpPr txBox="1"/>
-          <p:nvPr/>
-        </p:nvSpPr>
-        <p:spPr>
-          <a:xfrm>
-            <a:off x="4008405" y="4107341"/>
-            <a:ext cx="310983" cy="153888"/>
-          </a:xfrm>
-          <a:prstGeom prst="rect">
-            <a:avLst/>
-          </a:prstGeom>
-          <a:solidFill>
-            <a:schemeClr val="bg1"/>
-          </a:solidFill>
-        </p:spPr>
-        <p:txBody>
-          <a:bodyPr wrap="none" lIns="0" tIns="0" rIns="0" bIns="0" rtlCol="0">
-            <a:spAutoFit/>
-          </a:bodyPr>
-          <a:lstStyle/>
-          <a:p>
-            <a:r>
-              <a:rPr lang="en-US" altLang="ko-KR" sz="1000" dirty="0">
-                <a:solidFill>
-                  <a:schemeClr val="accent2"/>
-                </a:solidFill>
-              </a:rPr>
-              <a:t>no=1</a:t>
-            </a:r>
-            <a:endParaRPr lang="ko-KR" altLang="en-US" sz="1000" dirty="0">
-              <a:solidFill>
-                <a:schemeClr val="accent2"/>
-              </a:solidFill>
-            </a:endParaRPr>
-          </a:p>
-        </p:txBody>
-      </p:sp>
       <p:cxnSp>
         <p:nvCxnSpPr>
           <p:cNvPr id="52" name="직선 화살표 연결선 51">
@@ -6801,9 +6711,9 @@
           <p:nvPr/>
         </p:nvCxnSpPr>
         <p:spPr>
-          <a:xfrm flipH="1">
-            <a:off x="1847850" y="4099672"/>
-            <a:ext cx="777214" cy="689694"/>
+          <a:xfrm flipH="1" flipV="1">
+            <a:off x="2064969" y="4059903"/>
+            <a:ext cx="560095" cy="39769"/>
           </a:xfrm>
           <a:prstGeom prst="straightConnector1">
             <a:avLst/>
@@ -6827,62 +6737,6 @@
           </a:fontRef>
         </p:style>
       </p:cxnSp>
-      <p:sp>
-        <p:nvSpPr>
-          <p:cNvPr id="53" name="TextBox 52">
-            <a:extLst>
-              <a:ext uri="{FF2B5EF4-FFF2-40B4-BE49-F238E27FC236}">
-                <a16:creationId xmlns:a16="http://schemas.microsoft.com/office/drawing/2014/main" id="{81DB2E75-1D9A-48E0-8285-B6F91CE85254}"/>
-              </a:ext>
-            </a:extLst>
-          </p:cNvPr>
-          <p:cNvSpPr txBox="1"/>
-          <p:nvPr/>
-        </p:nvSpPr>
-        <p:spPr>
-          <a:xfrm>
-            <a:off x="2305239" y="4270746"/>
-            <a:ext cx="1011495" cy="307777"/>
-          </a:xfrm>
-          <a:prstGeom prst="rect">
-            <a:avLst/>
-          </a:prstGeom>
-          <a:solidFill>
-            <a:schemeClr val="bg1"/>
-          </a:solidFill>
-        </p:spPr>
-        <p:txBody>
-          <a:bodyPr wrap="none" lIns="0" tIns="0" rIns="0" bIns="0" rtlCol="0">
-            <a:spAutoFit/>
-          </a:bodyPr>
-          <a:lstStyle/>
-          <a:p>
-            <a:r>
-              <a:rPr lang="en-US" altLang="ko-KR" sz="1000" dirty="0">
-                <a:solidFill>
-                  <a:schemeClr val="accent2"/>
-                </a:solidFill>
-              </a:rPr>
-              <a:t>no=1</a:t>
-            </a:r>
-          </a:p>
-          <a:p>
-            <a:r>
-              <a:rPr lang="en-US" altLang="ko-KR" sz="1000" dirty="0">
-                <a:solidFill>
-                  <a:schemeClr val="accent2"/>
-                </a:solidFill>
-              </a:rPr>
-              <a:t>password = 1234</a:t>
-            </a:r>
-            <a:endParaRPr lang="ko-KR" altLang="en-US" sz="1000" dirty="0">
-              <a:solidFill>
-                <a:schemeClr val="accent2"/>
-              </a:solidFill>
-            </a:endParaRPr>
-          </a:p>
-        </p:txBody>
-      </p:sp>
       <p:cxnSp>
         <p:nvCxnSpPr>
           <p:cNvPr id="57" name="직선 화살표 연결선 56">
@@ -7400,6 +7254,534 @@
           </a:fontRef>
         </p:style>
       </p:cxnSp>
+      <p:sp>
+        <p:nvSpPr>
+          <p:cNvPr id="44" name="TextBox 43">
+            <a:extLst>
+              <a:ext uri="{FF2B5EF4-FFF2-40B4-BE49-F238E27FC236}">
+                <a16:creationId xmlns:a16="http://schemas.microsoft.com/office/drawing/2014/main" id="{4080B82F-D5C4-4C41-8F9E-7304568C6AD4}"/>
+              </a:ext>
+            </a:extLst>
+          </p:cNvPr>
+          <p:cNvSpPr txBox="1"/>
+          <p:nvPr/>
+        </p:nvSpPr>
+        <p:spPr>
+          <a:xfrm>
+            <a:off x="7955370" y="2225641"/>
+            <a:ext cx="521880" cy="153888"/>
+          </a:xfrm>
+          <a:prstGeom prst="rect">
+            <a:avLst/>
+          </a:prstGeom>
+          <a:solidFill>
+            <a:schemeClr val="bg1"/>
+          </a:solidFill>
+        </p:spPr>
+        <p:txBody>
+          <a:bodyPr wrap="square" lIns="0" tIns="0" rIns="0" bIns="0" rtlCol="0">
+            <a:spAutoFit/>
+          </a:bodyPr>
+          <a:lstStyle/>
+          <a:p>
+            <a:r>
+              <a:rPr lang="en-US" altLang="ko-KR" sz="1000" dirty="0" err="1">
+                <a:solidFill>
+                  <a:schemeClr val="accent1"/>
+                </a:solidFill>
+              </a:rPr>
+              <a:t>gbVo</a:t>
+            </a:r>
+            <a:endParaRPr lang="ko-KR" altLang="en-US" sz="1000" dirty="0">
+              <a:solidFill>
+                <a:schemeClr val="accent1"/>
+              </a:solidFill>
+            </a:endParaRPr>
+          </a:p>
+        </p:txBody>
+      </p:sp>
+      <p:sp>
+        <p:nvSpPr>
+          <p:cNvPr id="45" name="TextBox 44">
+            <a:extLst>
+              <a:ext uri="{FF2B5EF4-FFF2-40B4-BE49-F238E27FC236}">
+                <a16:creationId xmlns:a16="http://schemas.microsoft.com/office/drawing/2014/main" id="{0CBBD79F-1455-4BB1-A74D-6C3D2992BB5A}"/>
+              </a:ext>
+            </a:extLst>
+          </p:cNvPr>
+          <p:cNvSpPr txBox="1"/>
+          <p:nvPr/>
+        </p:nvSpPr>
+        <p:spPr>
+          <a:xfrm>
+            <a:off x="2572027" y="1910838"/>
+            <a:ext cx="1309654" cy="461665"/>
+          </a:xfrm>
+          <a:prstGeom prst="rect">
+            <a:avLst/>
+          </a:prstGeom>
+          <a:solidFill>
+            <a:schemeClr val="bg1"/>
+          </a:solidFill>
+        </p:spPr>
+        <p:txBody>
+          <a:bodyPr wrap="none" lIns="0" tIns="0" rIns="0" bIns="0" rtlCol="0">
+            <a:spAutoFit/>
+          </a:bodyPr>
+          <a:lstStyle/>
+          <a:p>
+            <a:r>
+              <a:rPr lang="en-US" altLang="ko-KR" sz="1000" dirty="0">
+                <a:solidFill>
+                  <a:schemeClr val="accent1"/>
+                </a:solidFill>
+              </a:rPr>
+              <a:t>name = </a:t>
+            </a:r>
+            <a:r>
+              <a:rPr lang="ko-KR" altLang="en-US" sz="1000" dirty="0" err="1">
+                <a:solidFill>
+                  <a:schemeClr val="accent1"/>
+                </a:solidFill>
+              </a:rPr>
+              <a:t>나혜주</a:t>
+            </a:r>
+            <a:endParaRPr lang="en-US" altLang="ko-KR" sz="1000" dirty="0">
+              <a:solidFill>
+                <a:schemeClr val="accent1"/>
+              </a:solidFill>
+            </a:endParaRPr>
+          </a:p>
+          <a:p>
+            <a:r>
+              <a:rPr lang="en-US" altLang="ko-KR" sz="1000" dirty="0">
+                <a:solidFill>
+                  <a:schemeClr val="accent1"/>
+                </a:solidFill>
+              </a:rPr>
+              <a:t>password = 1234</a:t>
+            </a:r>
+          </a:p>
+          <a:p>
+            <a:r>
+              <a:rPr lang="en-US" altLang="ko-KR" sz="1000" dirty="0">
+                <a:solidFill>
+                  <a:schemeClr val="accent1"/>
+                </a:solidFill>
+              </a:rPr>
+              <a:t>content = </a:t>
+            </a:r>
+            <a:r>
+              <a:rPr lang="ko-KR" altLang="en-US" sz="1000" dirty="0">
+                <a:solidFill>
+                  <a:schemeClr val="accent1"/>
+                </a:solidFill>
+              </a:rPr>
+              <a:t>안녕하세요</a:t>
+            </a:r>
+            <a:r>
+              <a:rPr lang="en-US" altLang="ko-KR" sz="1000" dirty="0">
+                <a:solidFill>
+                  <a:schemeClr val="accent1"/>
+                </a:solidFill>
+              </a:rPr>
+              <a:t> </a:t>
+            </a:r>
+            <a:endParaRPr lang="ko-KR" altLang="en-US" sz="1000" dirty="0">
+              <a:solidFill>
+                <a:schemeClr val="accent1"/>
+              </a:solidFill>
+            </a:endParaRPr>
+          </a:p>
+        </p:txBody>
+      </p:sp>
+      <p:cxnSp>
+        <p:nvCxnSpPr>
+          <p:cNvPr id="48" name="직선 화살표 연결선 47">
+            <a:extLst>
+              <a:ext uri="{FF2B5EF4-FFF2-40B4-BE49-F238E27FC236}">
+                <a16:creationId xmlns:a16="http://schemas.microsoft.com/office/drawing/2014/main" id="{CDB84972-1B69-4455-AE51-3764DCBE0630}"/>
+              </a:ext>
+            </a:extLst>
+          </p:cNvPr>
+          <p:cNvCxnSpPr>
+            <a:cxnSpLocks/>
+          </p:cNvCxnSpPr>
+          <p:nvPr/>
+        </p:nvCxnSpPr>
+        <p:spPr>
+          <a:xfrm>
+            <a:off x="1371600" y="2510852"/>
+            <a:ext cx="1" cy="352134"/>
+          </a:xfrm>
+          <a:prstGeom prst="straightConnector1">
+            <a:avLst/>
+          </a:prstGeom>
+          <a:ln w="19050">
+            <a:tailEnd type="triangle"/>
+          </a:ln>
+        </p:spPr>
+        <p:style>
+          <a:lnRef idx="1">
+            <a:schemeClr val="accent1"/>
+          </a:lnRef>
+          <a:fillRef idx="0">
+            <a:schemeClr val="accent1"/>
+          </a:fillRef>
+          <a:effectRef idx="0">
+            <a:schemeClr val="accent1"/>
+          </a:effectRef>
+          <a:fontRef idx="minor">
+            <a:schemeClr val="tx1"/>
+          </a:fontRef>
+        </p:style>
+      </p:cxnSp>
+      <p:sp>
+        <p:nvSpPr>
+          <p:cNvPr id="50" name="TextBox 49">
+            <a:extLst>
+              <a:ext uri="{FF2B5EF4-FFF2-40B4-BE49-F238E27FC236}">
+                <a16:creationId xmlns:a16="http://schemas.microsoft.com/office/drawing/2014/main" id="{E2A506F9-DF4C-4209-A9F6-527BB67AE284}"/>
+              </a:ext>
+            </a:extLst>
+          </p:cNvPr>
+          <p:cNvSpPr txBox="1"/>
+          <p:nvPr/>
+        </p:nvSpPr>
+        <p:spPr>
+          <a:xfrm>
+            <a:off x="66675" y="963064"/>
+            <a:ext cx="948978" cy="153888"/>
+          </a:xfrm>
+          <a:prstGeom prst="rect">
+            <a:avLst/>
+          </a:prstGeom>
+          <a:solidFill>
+            <a:schemeClr val="bg1"/>
+          </a:solidFill>
+        </p:spPr>
+        <p:txBody>
+          <a:bodyPr wrap="none" lIns="0" tIns="0" rIns="0" bIns="0" rtlCol="0">
+            <a:spAutoFit/>
+          </a:bodyPr>
+          <a:lstStyle/>
+          <a:p>
+            <a:r>
+              <a:rPr lang="ko-KR" altLang="en-US" sz="1000" b="1" dirty="0" err="1"/>
+              <a:t>등록폼</a:t>
+            </a:r>
+            <a:r>
+              <a:rPr lang="ko-KR" altLang="en-US" sz="1000" b="1" dirty="0"/>
+              <a:t> </a:t>
+            </a:r>
+            <a:r>
+              <a:rPr lang="en-US" altLang="ko-KR" sz="1000" b="1" dirty="0"/>
+              <a:t>+ </a:t>
+            </a:r>
+            <a:r>
+              <a:rPr lang="ko-KR" altLang="en-US" sz="1000" b="1" dirty="0"/>
+              <a:t>리스트</a:t>
+            </a:r>
+          </a:p>
+        </p:txBody>
+      </p:sp>
+      <p:sp>
+        <p:nvSpPr>
+          <p:cNvPr id="54" name="TextBox 53">
+            <a:extLst>
+              <a:ext uri="{FF2B5EF4-FFF2-40B4-BE49-F238E27FC236}">
+                <a16:creationId xmlns:a16="http://schemas.microsoft.com/office/drawing/2014/main" id="{49864EAE-EC7F-4E9F-A5D8-F76F7B68127B}"/>
+              </a:ext>
+            </a:extLst>
+          </p:cNvPr>
+          <p:cNvSpPr txBox="1"/>
+          <p:nvPr/>
+        </p:nvSpPr>
+        <p:spPr>
+          <a:xfrm>
+            <a:off x="66675" y="2162990"/>
+            <a:ext cx="256480" cy="153888"/>
+          </a:xfrm>
+          <a:prstGeom prst="rect">
+            <a:avLst/>
+          </a:prstGeom>
+          <a:solidFill>
+            <a:schemeClr val="bg1"/>
+          </a:solidFill>
+        </p:spPr>
+        <p:txBody>
+          <a:bodyPr wrap="none" lIns="0" tIns="0" rIns="0" bIns="0" rtlCol="0">
+            <a:spAutoFit/>
+          </a:bodyPr>
+          <a:lstStyle/>
+          <a:p>
+            <a:r>
+              <a:rPr lang="ko-KR" altLang="en-US" sz="1000" b="1" dirty="0"/>
+              <a:t>등록</a:t>
+            </a:r>
+          </a:p>
+        </p:txBody>
+      </p:sp>
+      <p:sp>
+        <p:nvSpPr>
+          <p:cNvPr id="55" name="TextBox 54">
+            <a:extLst>
+              <a:ext uri="{FF2B5EF4-FFF2-40B4-BE49-F238E27FC236}">
+                <a16:creationId xmlns:a16="http://schemas.microsoft.com/office/drawing/2014/main" id="{583C3F6F-85D9-44D9-8713-BAA6E5E597C5}"/>
+              </a:ext>
+            </a:extLst>
+          </p:cNvPr>
+          <p:cNvSpPr txBox="1"/>
+          <p:nvPr/>
+        </p:nvSpPr>
+        <p:spPr>
+          <a:xfrm>
+            <a:off x="66675" y="3562982"/>
+            <a:ext cx="572273" cy="153888"/>
+          </a:xfrm>
+          <a:prstGeom prst="rect">
+            <a:avLst/>
+          </a:prstGeom>
+          <a:solidFill>
+            <a:schemeClr val="bg1"/>
+          </a:solidFill>
+        </p:spPr>
+        <p:txBody>
+          <a:bodyPr wrap="none" lIns="0" tIns="0" rIns="0" bIns="0" rtlCol="0">
+            <a:spAutoFit/>
+          </a:bodyPr>
+          <a:lstStyle/>
+          <a:p>
+            <a:r>
+              <a:rPr lang="ko-KR" altLang="en-US" sz="1000" b="1" dirty="0"/>
+              <a:t>삭제</a:t>
+            </a:r>
+            <a:r>
+              <a:rPr lang="en-US" altLang="ko-KR" sz="1000" b="1" dirty="0"/>
+              <a:t>Form</a:t>
+            </a:r>
+            <a:endParaRPr lang="ko-KR" altLang="en-US" sz="1000" b="1" dirty="0"/>
+          </a:p>
+        </p:txBody>
+      </p:sp>
+      <p:sp>
+        <p:nvSpPr>
+          <p:cNvPr id="56" name="TextBox 55">
+            <a:extLst>
+              <a:ext uri="{FF2B5EF4-FFF2-40B4-BE49-F238E27FC236}">
+                <a16:creationId xmlns:a16="http://schemas.microsoft.com/office/drawing/2014/main" id="{7F3092A1-7F3D-4BBD-9112-A80695EF742B}"/>
+              </a:ext>
+            </a:extLst>
+          </p:cNvPr>
+          <p:cNvSpPr txBox="1"/>
+          <p:nvPr/>
+        </p:nvSpPr>
+        <p:spPr>
+          <a:xfrm>
+            <a:off x="66675" y="4646017"/>
+            <a:ext cx="256480" cy="153888"/>
+          </a:xfrm>
+          <a:prstGeom prst="rect">
+            <a:avLst/>
+          </a:prstGeom>
+          <a:solidFill>
+            <a:schemeClr val="bg1"/>
+          </a:solidFill>
+        </p:spPr>
+        <p:txBody>
+          <a:bodyPr wrap="none" lIns="0" tIns="0" rIns="0" bIns="0" rtlCol="0">
+            <a:spAutoFit/>
+          </a:bodyPr>
+          <a:lstStyle/>
+          <a:p>
+            <a:r>
+              <a:rPr lang="ko-KR" altLang="en-US" sz="1000" b="1" dirty="0"/>
+              <a:t>삭제</a:t>
+            </a:r>
+          </a:p>
+        </p:txBody>
+      </p:sp>
+      <p:sp>
+        <p:nvSpPr>
+          <p:cNvPr id="61" name="TextBox 60">
+            <a:extLst>
+              <a:ext uri="{FF2B5EF4-FFF2-40B4-BE49-F238E27FC236}">
+                <a16:creationId xmlns:a16="http://schemas.microsoft.com/office/drawing/2014/main" id="{D83DB5D5-EBD0-4D34-B814-E6E7D45675F1}"/>
+              </a:ext>
+            </a:extLst>
+          </p:cNvPr>
+          <p:cNvSpPr txBox="1"/>
+          <p:nvPr/>
+        </p:nvSpPr>
+        <p:spPr>
+          <a:xfrm>
+            <a:off x="212787" y="5355051"/>
+            <a:ext cx="1635063" cy="153888"/>
+          </a:xfrm>
+          <a:prstGeom prst="rect">
+            <a:avLst/>
+          </a:prstGeom>
+          <a:solidFill>
+            <a:schemeClr val="bg1"/>
+          </a:solidFill>
+        </p:spPr>
+        <p:txBody>
+          <a:bodyPr wrap="none" lIns="0" tIns="0" rIns="0" bIns="0" rtlCol="0">
+            <a:spAutoFit/>
+          </a:bodyPr>
+          <a:lstStyle/>
+          <a:p>
+            <a:r>
+              <a:rPr lang="ko-KR" altLang="en-US" sz="1000" dirty="0" err="1">
+                <a:solidFill>
+                  <a:schemeClr val="accent1"/>
+                </a:solidFill>
+              </a:rPr>
+              <a:t>등록폼</a:t>
+            </a:r>
+            <a:r>
+              <a:rPr lang="ko-KR" altLang="en-US" sz="1000" dirty="0">
+                <a:solidFill>
+                  <a:schemeClr val="accent1"/>
+                </a:solidFill>
+              </a:rPr>
+              <a:t> </a:t>
+            </a:r>
+            <a:r>
+              <a:rPr lang="en-US" altLang="ko-KR" sz="1000" dirty="0">
+                <a:solidFill>
+                  <a:schemeClr val="accent1"/>
+                </a:solidFill>
+              </a:rPr>
+              <a:t>+ </a:t>
+            </a:r>
+            <a:r>
+              <a:rPr lang="ko-KR" altLang="en-US" sz="1000" dirty="0">
+                <a:solidFill>
+                  <a:schemeClr val="accent1"/>
+                </a:solidFill>
+              </a:rPr>
+              <a:t>리스트 </a:t>
+            </a:r>
+            <a:r>
+              <a:rPr lang="ko-KR" altLang="en-US" sz="1000" dirty="0" err="1">
+                <a:solidFill>
+                  <a:schemeClr val="accent1"/>
+                </a:solidFill>
+              </a:rPr>
+              <a:t>리다이렉트</a:t>
+            </a:r>
+            <a:endParaRPr lang="ko-KR" altLang="en-US" sz="1000" dirty="0">
+              <a:solidFill>
+                <a:schemeClr val="accent1"/>
+              </a:solidFill>
+            </a:endParaRPr>
+          </a:p>
+        </p:txBody>
+      </p:sp>
+      <p:cxnSp>
+        <p:nvCxnSpPr>
+          <p:cNvPr id="65" name="직선 화살표 연결선 64">
+            <a:extLst>
+              <a:ext uri="{FF2B5EF4-FFF2-40B4-BE49-F238E27FC236}">
+                <a16:creationId xmlns:a16="http://schemas.microsoft.com/office/drawing/2014/main" id="{FA986FD6-D121-403D-BDC7-7788274DE47B}"/>
+              </a:ext>
+            </a:extLst>
+          </p:cNvPr>
+          <p:cNvCxnSpPr>
+            <a:cxnSpLocks/>
+          </p:cNvCxnSpPr>
+          <p:nvPr/>
+        </p:nvCxnSpPr>
+        <p:spPr>
+          <a:xfrm>
+            <a:off x="1256179" y="5002917"/>
+            <a:ext cx="1" cy="352134"/>
+          </a:xfrm>
+          <a:prstGeom prst="straightConnector1">
+            <a:avLst/>
+          </a:prstGeom>
+          <a:ln w="19050">
+            <a:tailEnd type="triangle"/>
+          </a:ln>
+        </p:spPr>
+        <p:style>
+          <a:lnRef idx="1">
+            <a:schemeClr val="accent1"/>
+          </a:lnRef>
+          <a:fillRef idx="0">
+            <a:schemeClr val="accent1"/>
+          </a:fillRef>
+          <a:effectRef idx="0">
+            <a:schemeClr val="accent1"/>
+          </a:effectRef>
+          <a:fontRef idx="minor">
+            <a:schemeClr val="tx1"/>
+          </a:fontRef>
+        </p:style>
+      </p:cxnSp>
+      <p:sp>
+        <p:nvSpPr>
+          <p:cNvPr id="70" name="TextBox 69">
+            <a:extLst>
+              <a:ext uri="{FF2B5EF4-FFF2-40B4-BE49-F238E27FC236}">
+                <a16:creationId xmlns:a16="http://schemas.microsoft.com/office/drawing/2014/main" id="{1681C0EB-CF7D-4DD5-BEAF-62395DBE043E}"/>
+              </a:ext>
+            </a:extLst>
+          </p:cNvPr>
+          <p:cNvSpPr txBox="1"/>
+          <p:nvPr/>
+        </p:nvSpPr>
+        <p:spPr>
+          <a:xfrm>
+            <a:off x="3610252" y="1407052"/>
+            <a:ext cx="1158972" cy="153888"/>
+          </a:xfrm>
+          <a:prstGeom prst="rect">
+            <a:avLst/>
+          </a:prstGeom>
+          <a:solidFill>
+            <a:schemeClr val="bg1"/>
+          </a:solidFill>
+        </p:spPr>
+        <p:txBody>
+          <a:bodyPr wrap="none" lIns="0" tIns="0" rIns="0" bIns="0" rtlCol="0">
+            <a:spAutoFit/>
+          </a:bodyPr>
+          <a:lstStyle/>
+          <a:p>
+            <a:r>
+              <a:rPr lang="en-US" altLang="ko-KR" sz="1000" dirty="0">
+                <a:solidFill>
+                  <a:schemeClr val="accent2"/>
+                </a:solidFill>
+              </a:rPr>
+              <a:t>List&lt;</a:t>
+            </a:r>
+            <a:r>
+              <a:rPr lang="en-US" altLang="ko-KR" sz="1000" dirty="0" err="1">
+                <a:solidFill>
+                  <a:schemeClr val="accent2"/>
+                </a:solidFill>
+              </a:rPr>
+              <a:t>GuestBookVo</a:t>
+            </a:r>
+            <a:r>
+              <a:rPr lang="en-US" altLang="ko-KR" sz="1000" dirty="0">
+                <a:solidFill>
+                  <a:schemeClr val="accent2"/>
+                </a:solidFill>
+              </a:rPr>
+              <a:t>&gt;</a:t>
+            </a:r>
+            <a:endParaRPr lang="ko-KR" altLang="en-US" sz="1000" dirty="0">
+              <a:solidFill>
+                <a:schemeClr val="accent2"/>
+              </a:solidFill>
+            </a:endParaRPr>
+          </a:p>
+        </p:txBody>
+      </p:sp>
     </p:spTree>
     <p:extLst>
       <p:ext uri="{BB962C8B-B14F-4D97-AF65-F5344CB8AC3E}">
